--- a/AmazonReviewsSummary.pptx
+++ b/AmazonReviewsSummary.pptx
@@ -5,11 +5,14 @@
     <p:sldMasterId id="2147483648" r:id="rId1"/>
   </p:sldMasterIdLst>
   <p:sldIdLst>
-    <p:sldId id="256" r:id="rId2"/>
-    <p:sldId id="258" r:id="rId3"/>
-    <p:sldId id="257" r:id="rId4"/>
-    <p:sldId id="260" r:id="rId5"/>
-    <p:sldId id="259" r:id="rId6"/>
+    <p:sldId id="257" r:id="rId2"/>
+    <p:sldId id="260" r:id="rId3"/>
+    <p:sldId id="259" r:id="rId4"/>
+    <p:sldId id="258" r:id="rId5"/>
+    <p:sldId id="261" r:id="rId6"/>
+    <p:sldId id="262" r:id="rId7"/>
+    <p:sldId id="263" r:id="rId8"/>
+    <p:sldId id="264" r:id="rId9"/>
   </p:sldIdLst>
   <p:sldSz cx="12192000" cy="6858000"/>
   <p:notesSz cx="6858000" cy="9144000"/>
@@ -265,7 +268,7 @@
           <a:p>
             <a:fld id="{5DD8F765-0750-46BC-8693-C419ABB11952}" type="datetimeFigureOut">
               <a:rPr lang="en-GB" smtClean="0"/>
-              <a:t>06/01/2022</a:t>
+              <a:t>10/01/2022</a:t>
             </a:fld>
             <a:endParaRPr lang="en-GB"/>
           </a:p>
@@ -465,7 +468,7 @@
           <a:p>
             <a:fld id="{5DD8F765-0750-46BC-8693-C419ABB11952}" type="datetimeFigureOut">
               <a:rPr lang="en-GB" smtClean="0"/>
-              <a:t>06/01/2022</a:t>
+              <a:t>10/01/2022</a:t>
             </a:fld>
             <a:endParaRPr lang="en-GB"/>
           </a:p>
@@ -675,7 +678,7 @@
           <a:p>
             <a:fld id="{5DD8F765-0750-46BC-8693-C419ABB11952}" type="datetimeFigureOut">
               <a:rPr lang="en-GB" smtClean="0"/>
-              <a:t>06/01/2022</a:t>
+              <a:t>10/01/2022</a:t>
             </a:fld>
             <a:endParaRPr lang="en-GB"/>
           </a:p>
@@ -875,7 +878,7 @@
           <a:p>
             <a:fld id="{5DD8F765-0750-46BC-8693-C419ABB11952}" type="datetimeFigureOut">
               <a:rPr lang="en-GB" smtClean="0"/>
-              <a:t>06/01/2022</a:t>
+              <a:t>10/01/2022</a:t>
             </a:fld>
             <a:endParaRPr lang="en-GB"/>
           </a:p>
@@ -1151,7 +1154,7 @@
           <a:p>
             <a:fld id="{5DD8F765-0750-46BC-8693-C419ABB11952}" type="datetimeFigureOut">
               <a:rPr lang="en-GB" smtClean="0"/>
-              <a:t>06/01/2022</a:t>
+              <a:t>10/01/2022</a:t>
             </a:fld>
             <a:endParaRPr lang="en-GB"/>
           </a:p>
@@ -1419,7 +1422,7 @@
           <a:p>
             <a:fld id="{5DD8F765-0750-46BC-8693-C419ABB11952}" type="datetimeFigureOut">
               <a:rPr lang="en-GB" smtClean="0"/>
-              <a:t>06/01/2022</a:t>
+              <a:t>10/01/2022</a:t>
             </a:fld>
             <a:endParaRPr lang="en-GB"/>
           </a:p>
@@ -1834,7 +1837,7 @@
           <a:p>
             <a:fld id="{5DD8F765-0750-46BC-8693-C419ABB11952}" type="datetimeFigureOut">
               <a:rPr lang="en-GB" smtClean="0"/>
-              <a:t>06/01/2022</a:t>
+              <a:t>10/01/2022</a:t>
             </a:fld>
             <a:endParaRPr lang="en-GB"/>
           </a:p>
@@ -1976,7 +1979,7 @@
           <a:p>
             <a:fld id="{5DD8F765-0750-46BC-8693-C419ABB11952}" type="datetimeFigureOut">
               <a:rPr lang="en-GB" smtClean="0"/>
-              <a:t>06/01/2022</a:t>
+              <a:t>10/01/2022</a:t>
             </a:fld>
             <a:endParaRPr lang="en-GB"/>
           </a:p>
@@ -2089,7 +2092,7 @@
           <a:p>
             <a:fld id="{5DD8F765-0750-46BC-8693-C419ABB11952}" type="datetimeFigureOut">
               <a:rPr lang="en-GB" smtClean="0"/>
-              <a:t>06/01/2022</a:t>
+              <a:t>10/01/2022</a:t>
             </a:fld>
             <a:endParaRPr lang="en-GB"/>
           </a:p>
@@ -2402,7 +2405,7 @@
           <a:p>
             <a:fld id="{5DD8F765-0750-46BC-8693-C419ABB11952}" type="datetimeFigureOut">
               <a:rPr lang="en-GB" smtClean="0"/>
-              <a:t>06/01/2022</a:t>
+              <a:t>10/01/2022</a:t>
             </a:fld>
             <a:endParaRPr lang="en-GB"/>
           </a:p>
@@ -2691,7 +2694,7 @@
           <a:p>
             <a:fld id="{5DD8F765-0750-46BC-8693-C419ABB11952}" type="datetimeFigureOut">
               <a:rPr lang="en-GB" smtClean="0"/>
-              <a:t>06/01/2022</a:t>
+              <a:t>10/01/2022</a:t>
             </a:fld>
             <a:endParaRPr lang="en-GB"/>
           </a:p>
@@ -2934,7 +2937,7 @@
           <a:p>
             <a:fld id="{5DD8F765-0750-46BC-8693-C419ABB11952}" type="datetimeFigureOut">
               <a:rPr lang="en-GB" smtClean="0"/>
-              <a:t>06/01/2022</a:t>
+              <a:t>10/01/2022</a:t>
             </a:fld>
             <a:endParaRPr lang="en-GB"/>
           </a:p>
@@ -3351,62 +3354,48 @@
           <a:chExt cx="0" cy="0"/>
         </a:xfrm>
       </p:grpSpPr>
-      <p:sp>
-        <p:nvSpPr>
-          <p:cNvPr id="2" name="Title 1">
-            <a:extLst>
-              <a:ext uri="{FF2B5EF4-FFF2-40B4-BE49-F238E27FC236}">
-                <a16:creationId xmlns:a16="http://schemas.microsoft.com/office/drawing/2014/main" id="{2CEEAA13-FFB1-48A2-A2E4-95D01068D517}"/>
-              </a:ext>
-            </a:extLst>
-          </p:cNvPr>
-          <p:cNvSpPr>
-            <a:spLocks noGrp="1"/>
-          </p:cNvSpPr>
-          <p:nvPr>
-            <p:ph type="ctrTitle"/>
-          </p:nvPr>
-        </p:nvSpPr>
-        <p:spPr/>
-        <p:txBody>
-          <a:bodyPr/>
-          <a:lstStyle/>
-          <a:p>
-            <a:endParaRPr lang="en-GB"/>
-          </a:p>
-        </p:txBody>
-      </p:sp>
-      <p:sp>
-        <p:nvSpPr>
-          <p:cNvPr id="3" name="Subtitle 2">
-            <a:extLst>
-              <a:ext uri="{FF2B5EF4-FFF2-40B4-BE49-F238E27FC236}">
-                <a16:creationId xmlns:a16="http://schemas.microsoft.com/office/drawing/2014/main" id="{96DA2450-6F6A-4345-8C23-FEACE2065446}"/>
-              </a:ext>
-            </a:extLst>
-          </p:cNvPr>
-          <p:cNvSpPr>
-            <a:spLocks noGrp="1"/>
-          </p:cNvSpPr>
-          <p:nvPr>
-            <p:ph type="subTitle" idx="1"/>
-          </p:nvPr>
-        </p:nvSpPr>
-        <p:spPr/>
-        <p:txBody>
-          <a:bodyPr/>
-          <a:lstStyle/>
-          <a:p>
-            <a:endParaRPr lang="en-GB"/>
-          </a:p>
-        </p:txBody>
-      </p:sp>
       <p:pic>
         <p:nvPicPr>
-          <p:cNvPr id="1026" name="Picture 2" descr="Flarin 200mg Soft Capsules – 30 Caps | Ibuprofen 200mg | Chemist 4 U">
-            <a:extLst>
-              <a:ext uri="{FF2B5EF4-FFF2-40B4-BE49-F238E27FC236}">
-                <a16:creationId xmlns:a16="http://schemas.microsoft.com/office/drawing/2014/main" id="{183BEF88-E607-4361-8526-4B6A6041027C}"/>
+          <p:cNvPr id="12" name="Picture 11" descr="Chart, waterfall chart&#10;&#10;Description automatically generated">
+            <a:extLst>
+              <a:ext uri="{FF2B5EF4-FFF2-40B4-BE49-F238E27FC236}">
+                <a16:creationId xmlns:a16="http://schemas.microsoft.com/office/drawing/2014/main" id="{BCB225BE-6586-4F54-9A94-BF6960A2040C}"/>
+              </a:ext>
+            </a:extLst>
+          </p:cNvPr>
+          <p:cNvPicPr>
+            <a:picLocks noChangeAspect="1"/>
+          </p:cNvPicPr>
+          <p:nvPr/>
+        </p:nvPicPr>
+        <p:blipFill>
+          <a:blip r:embed="rId2">
+            <a:extLst>
+              <a:ext uri="{28A0092B-C50C-407E-A947-70E740481C1C}">
+                <a14:useLocalDpi xmlns:a14="http://schemas.microsoft.com/office/drawing/2010/main" val="0"/>
+              </a:ext>
+            </a:extLst>
+          </a:blip>
+          <a:stretch>
+            <a:fillRect/>
+          </a:stretch>
+        </p:blipFill>
+        <p:spPr>
+          <a:xfrm>
+            <a:off x="861786" y="576943"/>
+            <a:ext cx="10468428" cy="6281057"/>
+          </a:xfrm>
+          <a:prstGeom prst="rect">
+            <a:avLst/>
+          </a:prstGeom>
+        </p:spPr>
+      </p:pic>
+      <p:pic>
+        <p:nvPicPr>
+          <p:cNvPr id="6" name="Picture 2" descr="Flarin 200mg Soft Capsules – 30 Caps | Ibuprofen 200mg | Chemist 4 U">
+            <a:extLst>
+              <a:ext uri="{FF2B5EF4-FFF2-40B4-BE49-F238E27FC236}">
+                <a16:creationId xmlns:a16="http://schemas.microsoft.com/office/drawing/2014/main" id="{24F14FE0-D614-4CC7-A9A7-A917F5603A94}"/>
               </a:ext>
             </a:extLst>
           </p:cNvPr>
@@ -3415,23 +3404,21 @@
           </p:cNvPicPr>
           <p:nvPr/>
         </p:nvPicPr>
-        <p:blipFill>
-          <a:blip r:embed="rId2">
+        <p:blipFill rotWithShape="1">
+          <a:blip r:embed="rId3">
             <a:extLst>
               <a:ext uri="{28A0092B-C50C-407E-A947-70E740481C1C}">
                 <a14:useLocalDpi xmlns:a14="http://schemas.microsoft.com/office/drawing/2010/main" val="0"/>
               </a:ext>
             </a:extLst>
           </a:blip>
-          <a:srcRect/>
-          <a:stretch>
-            <a:fillRect/>
-          </a:stretch>
+          <a:srcRect l="9663" t="23310" r="10310" b="43676"/>
+          <a:stretch/>
         </p:blipFill>
         <p:spPr bwMode="auto">
           <a:xfrm>
-            <a:off x="2982686" y="2045381"/>
-            <a:ext cx="6226628" cy="3113314"/>
+            <a:off x="4846320" y="374562"/>
+            <a:ext cx="2798618" cy="577245"/>
           </a:xfrm>
           <a:prstGeom prst="rect">
             <a:avLst/>
@@ -3451,7 +3438,7 @@
     </p:spTree>
     <p:extLst>
       <p:ext uri="{BB962C8B-B14F-4D97-AF65-F5344CB8AC3E}">
-        <p14:creationId xmlns:p14="http://schemas.microsoft.com/office/powerpoint/2010/main" val="3934397589"/>
+        <p14:creationId xmlns:p14="http://schemas.microsoft.com/office/powerpoint/2010/main" val="3557296614"/>
       </p:ext>
     </p:extLst>
   </p:cSld>
@@ -3478,46 +3465,19 @@
           <a:chExt cx="0" cy="0"/>
         </a:xfrm>
       </p:grpSpPr>
-      <p:sp>
-        <p:nvSpPr>
-          <p:cNvPr id="2" name="Title 1">
-            <a:extLst>
-              <a:ext uri="{FF2B5EF4-FFF2-40B4-BE49-F238E27FC236}">
-                <a16:creationId xmlns:a16="http://schemas.microsoft.com/office/drawing/2014/main" id="{887C7FE7-7505-48E7-A73B-F15642DB8540}"/>
-              </a:ext>
-            </a:extLst>
-          </p:cNvPr>
-          <p:cNvSpPr>
-            <a:spLocks noGrp="1"/>
-          </p:cNvSpPr>
-          <p:nvPr>
-            <p:ph type="title"/>
-          </p:nvPr>
-        </p:nvSpPr>
-        <p:spPr/>
-        <p:txBody>
-          <a:bodyPr/>
-          <a:lstStyle/>
-          <a:p>
-            <a:endParaRPr lang="en-GB"/>
-          </a:p>
-        </p:txBody>
-      </p:sp>
       <p:pic>
         <p:nvPicPr>
-          <p:cNvPr id="9" name="Content Placeholder 8" descr="Chart, bar chart&#10;&#10;Description automatically generated">
-            <a:extLst>
-              <a:ext uri="{FF2B5EF4-FFF2-40B4-BE49-F238E27FC236}">
-                <a16:creationId xmlns:a16="http://schemas.microsoft.com/office/drawing/2014/main" id="{B97FB184-55B1-41D0-A64A-50FC903206B7}"/>
+          <p:cNvPr id="9" name="Picture 8" descr="Chart, bar chart, histogram, waterfall chart&#10;&#10;Description automatically generated">
+            <a:extLst>
+              <a:ext uri="{FF2B5EF4-FFF2-40B4-BE49-F238E27FC236}">
+                <a16:creationId xmlns:a16="http://schemas.microsoft.com/office/drawing/2014/main" id="{372432DC-8B9D-423D-8EB2-9CF1EEA96ADF}"/>
               </a:ext>
             </a:extLst>
           </p:cNvPr>
           <p:cNvPicPr>
-            <a:picLocks noGrp="1" noChangeAspect="1"/>
+            <a:picLocks noChangeAspect="1"/>
           </p:cNvPicPr>
-          <p:nvPr>
-            <p:ph idx="1"/>
-          </p:nvPr>
+          <p:nvPr/>
         </p:nvPicPr>
         <p:blipFill>
           <a:blip r:embed="rId2">
@@ -3533,15 +3493,47 @@
         </p:blipFill>
         <p:spPr>
           <a:xfrm>
-            <a:off x="381001" y="0"/>
-            <a:ext cx="11429998" cy="6858000"/>
+            <a:off x="861786" y="576943"/>
+            <a:ext cx="10468428" cy="6281057"/>
           </a:xfrm>
+          <a:prstGeom prst="rect">
+            <a:avLst/>
+          </a:prstGeom>
+        </p:spPr>
+      </p:pic>
+      <p:pic>
+        <p:nvPicPr>
+          <p:cNvPr id="6" name="Picture 5">
+            <a:extLst>
+              <a:ext uri="{FF2B5EF4-FFF2-40B4-BE49-F238E27FC236}">
+                <a16:creationId xmlns:a16="http://schemas.microsoft.com/office/drawing/2014/main" id="{58C96025-FFFC-4A17-A4F2-C1359D4C2904}"/>
+              </a:ext>
+            </a:extLst>
+          </p:cNvPr>
+          <p:cNvPicPr>
+            <a:picLocks noChangeAspect="1"/>
+          </p:cNvPicPr>
+          <p:nvPr/>
+        </p:nvPicPr>
+        <p:blipFill rotWithShape="1">
+          <a:blip r:embed="rId3"/>
+          <a:srcRect t="14521" b="12566"/>
+          <a:stretch/>
+        </p:blipFill>
+        <p:spPr>
+          <a:xfrm>
+            <a:off x="5137265" y="179185"/>
+            <a:ext cx="2369127" cy="971666"/>
+          </a:xfrm>
+          <a:prstGeom prst="rect">
+            <a:avLst/>
+          </a:prstGeom>
         </p:spPr>
       </p:pic>
     </p:spTree>
     <p:extLst>
       <p:ext uri="{BB962C8B-B14F-4D97-AF65-F5344CB8AC3E}">
-        <p14:creationId xmlns:p14="http://schemas.microsoft.com/office/powerpoint/2010/main" val="1829635514"/>
+        <p14:creationId xmlns:p14="http://schemas.microsoft.com/office/powerpoint/2010/main" val="1991882541"/>
       </p:ext>
     </p:extLst>
   </p:cSld>
@@ -3568,46 +3560,19 @@
           <a:chExt cx="0" cy="0"/>
         </a:xfrm>
       </p:grpSpPr>
-      <p:sp>
-        <p:nvSpPr>
-          <p:cNvPr id="2" name="Title 1">
-            <a:extLst>
-              <a:ext uri="{FF2B5EF4-FFF2-40B4-BE49-F238E27FC236}">
-                <a16:creationId xmlns:a16="http://schemas.microsoft.com/office/drawing/2014/main" id="{5D98E986-711D-4639-A633-13637C69A2B6}"/>
-              </a:ext>
-            </a:extLst>
-          </p:cNvPr>
-          <p:cNvSpPr>
-            <a:spLocks noGrp="1"/>
-          </p:cNvSpPr>
-          <p:nvPr>
-            <p:ph type="title"/>
-          </p:nvPr>
-        </p:nvSpPr>
-        <p:spPr/>
-        <p:txBody>
-          <a:bodyPr/>
-          <a:lstStyle/>
-          <a:p>
-            <a:endParaRPr lang="en-GB"/>
-          </a:p>
-        </p:txBody>
-      </p:sp>
       <p:pic>
         <p:nvPicPr>
-          <p:cNvPr id="7" name="Content Placeholder 6" descr="Chart, bar chart&#10;&#10;Description automatically generated">
-            <a:extLst>
-              <a:ext uri="{FF2B5EF4-FFF2-40B4-BE49-F238E27FC236}">
-                <a16:creationId xmlns:a16="http://schemas.microsoft.com/office/drawing/2014/main" id="{1F9C0AD5-2251-44F4-9DA0-74E78A6A3422}"/>
+          <p:cNvPr id="10" name="Picture 9" descr="Chart, histogram&#10;&#10;Description automatically generated">
+            <a:extLst>
+              <a:ext uri="{FF2B5EF4-FFF2-40B4-BE49-F238E27FC236}">
+                <a16:creationId xmlns:a16="http://schemas.microsoft.com/office/drawing/2014/main" id="{683E74EC-7D2C-4697-A883-248136E34A3C}"/>
               </a:ext>
             </a:extLst>
           </p:cNvPr>
           <p:cNvPicPr>
-            <a:picLocks noGrp="1" noChangeAspect="1"/>
+            <a:picLocks noChangeAspect="1"/>
           </p:cNvPicPr>
-          <p:nvPr>
-            <p:ph idx="1"/>
-          </p:nvPr>
+          <p:nvPr/>
         </p:nvPicPr>
         <p:blipFill>
           <a:blip r:embed="rId2">
@@ -3623,15 +3588,47 @@
         </p:blipFill>
         <p:spPr>
           <a:xfrm>
-            <a:off x="2438400" y="-228600"/>
-            <a:ext cx="7315200" cy="7315200"/>
+            <a:off x="861786" y="576943"/>
+            <a:ext cx="10468428" cy="6281057"/>
           </a:xfrm>
+          <a:prstGeom prst="rect">
+            <a:avLst/>
+          </a:prstGeom>
+        </p:spPr>
+      </p:pic>
+      <p:pic>
+        <p:nvPicPr>
+          <p:cNvPr id="6" name="Picture 5">
+            <a:extLst>
+              <a:ext uri="{FF2B5EF4-FFF2-40B4-BE49-F238E27FC236}">
+                <a16:creationId xmlns:a16="http://schemas.microsoft.com/office/drawing/2014/main" id="{693D23B1-5340-453F-8511-10F98A3CA08C}"/>
+              </a:ext>
+            </a:extLst>
+          </p:cNvPr>
+          <p:cNvPicPr>
+            <a:picLocks noChangeAspect="1"/>
+          </p:cNvPicPr>
+          <p:nvPr/>
+        </p:nvPicPr>
+        <p:blipFill rotWithShape="1">
+          <a:blip r:embed="rId3"/>
+          <a:srcRect t="20759" b="19841"/>
+          <a:stretch/>
+        </p:blipFill>
+        <p:spPr>
+          <a:xfrm>
+            <a:off x="4757387" y="82910"/>
+            <a:ext cx="2960254" cy="988065"/>
+          </a:xfrm>
+          <a:prstGeom prst="rect">
+            <a:avLst/>
+          </a:prstGeom>
         </p:spPr>
       </p:pic>
     </p:spTree>
     <p:extLst>
       <p:ext uri="{BB962C8B-B14F-4D97-AF65-F5344CB8AC3E}">
-        <p14:creationId xmlns:p14="http://schemas.microsoft.com/office/powerpoint/2010/main" val="3557296614"/>
+        <p14:creationId xmlns:p14="http://schemas.microsoft.com/office/powerpoint/2010/main" val="2267299809"/>
       </p:ext>
     </p:extLst>
   </p:cSld>
@@ -3658,49 +3655,125 @@
           <a:chExt cx="0" cy="0"/>
         </a:xfrm>
       </p:grpSpPr>
-      <p:sp>
-        <p:nvSpPr>
-          <p:cNvPr id="2" name="Title 1">
-            <a:extLst>
-              <a:ext uri="{FF2B5EF4-FFF2-40B4-BE49-F238E27FC236}">
-                <a16:creationId xmlns:a16="http://schemas.microsoft.com/office/drawing/2014/main" id="{578298F0-45B3-488C-85D1-401D8F1FC9C7}"/>
-              </a:ext>
-            </a:extLst>
-          </p:cNvPr>
-          <p:cNvSpPr>
-            <a:spLocks noGrp="1"/>
-          </p:cNvSpPr>
-          <p:nvPr>
-            <p:ph type="title"/>
-          </p:nvPr>
-        </p:nvSpPr>
-        <p:spPr/>
-        <p:txBody>
-          <a:bodyPr/>
-          <a:lstStyle/>
-          <a:p>
-            <a:endParaRPr lang="en-GB"/>
-          </a:p>
-        </p:txBody>
-      </p:sp>
       <p:pic>
         <p:nvPicPr>
-          <p:cNvPr id="5" name="Content Placeholder 4" descr="Chart&#10;&#10;Description automatically generated">
-            <a:extLst>
-              <a:ext uri="{FF2B5EF4-FFF2-40B4-BE49-F238E27FC236}">
-                <a16:creationId xmlns:a16="http://schemas.microsoft.com/office/drawing/2014/main" id="{6251B657-A2A8-4D3F-8E12-2C6E39FFEE35}"/>
+          <p:cNvPr id="6" name="Picture 2" descr="Flarin 200mg Soft Capsules – 30 Caps | Ibuprofen 200mg | Chemist 4 U">
+            <a:extLst>
+              <a:ext uri="{FF2B5EF4-FFF2-40B4-BE49-F238E27FC236}">
+                <a16:creationId xmlns:a16="http://schemas.microsoft.com/office/drawing/2014/main" id="{2E8B9382-BD7C-4D4C-92E8-1D16C6F287BC}"/>
               </a:ext>
             </a:extLst>
           </p:cNvPr>
           <p:cNvPicPr>
-            <a:picLocks noGrp="1" noChangeAspect="1"/>
+            <a:picLocks noChangeAspect="1" noChangeArrowheads="1"/>
           </p:cNvPicPr>
-          <p:nvPr>
-            <p:ph idx="1"/>
-          </p:nvPr>
+          <p:nvPr/>
+        </p:nvPicPr>
+        <p:blipFill rotWithShape="1">
+          <a:blip r:embed="rId2">
+            <a:extLst>
+              <a:ext uri="{28A0092B-C50C-407E-A947-70E740481C1C}">
+                <a14:useLocalDpi xmlns:a14="http://schemas.microsoft.com/office/drawing/2010/main" val="0"/>
+              </a:ext>
+            </a:extLst>
+          </a:blip>
+          <a:srcRect l="9663" t="23310" r="10310" b="43676"/>
+          <a:stretch/>
+        </p:blipFill>
+        <p:spPr bwMode="auto">
+          <a:xfrm>
+            <a:off x="609600" y="971784"/>
+            <a:ext cx="2798618" cy="577245"/>
+          </a:xfrm>
+          <a:prstGeom prst="rect">
+            <a:avLst/>
+          </a:prstGeom>
+          <a:noFill/>
+          <a:extLst>
+            <a:ext uri="{909E8E84-426E-40DD-AFC4-6F175D3DCCD1}">
+              <a14:hiddenFill xmlns:a14="http://schemas.microsoft.com/office/drawing/2010/main">
+                <a:solidFill>
+                  <a:srgbClr val="FFFFFF"/>
+                </a:solidFill>
+              </a14:hiddenFill>
+            </a:ext>
+          </a:extLst>
+        </p:spPr>
+      </p:pic>
+      <p:pic>
+        <p:nvPicPr>
+          <p:cNvPr id="7" name="Picture 6">
+            <a:extLst>
+              <a:ext uri="{FF2B5EF4-FFF2-40B4-BE49-F238E27FC236}">
+                <a16:creationId xmlns:a16="http://schemas.microsoft.com/office/drawing/2014/main" id="{4ECC484D-73FE-4160-84D9-2D3699ED3DD5}"/>
+              </a:ext>
+            </a:extLst>
+          </p:cNvPr>
+          <p:cNvPicPr>
+            <a:picLocks noChangeAspect="1"/>
+          </p:cNvPicPr>
+          <p:nvPr/>
+        </p:nvPicPr>
+        <p:blipFill rotWithShape="1">
+          <a:blip r:embed="rId3"/>
+          <a:srcRect t="14521" b="12566"/>
+          <a:stretch/>
+        </p:blipFill>
+        <p:spPr>
+          <a:xfrm>
+            <a:off x="4696690" y="686499"/>
+            <a:ext cx="2798619" cy="1147816"/>
+          </a:xfrm>
+          <a:prstGeom prst="rect">
+            <a:avLst/>
+          </a:prstGeom>
+        </p:spPr>
+      </p:pic>
+      <p:pic>
+        <p:nvPicPr>
+          <p:cNvPr id="8" name="Picture 7">
+            <a:extLst>
+              <a:ext uri="{FF2B5EF4-FFF2-40B4-BE49-F238E27FC236}">
+                <a16:creationId xmlns:a16="http://schemas.microsoft.com/office/drawing/2014/main" id="{2189CED7-338A-4894-B2A5-DE7A4C0E2E7E}"/>
+              </a:ext>
+            </a:extLst>
+          </p:cNvPr>
+          <p:cNvPicPr>
+            <a:picLocks noChangeAspect="1"/>
+          </p:cNvPicPr>
+          <p:nvPr/>
+        </p:nvPicPr>
+        <p:blipFill rotWithShape="1">
+          <a:blip r:embed="rId4"/>
+          <a:srcRect t="20759" b="19841"/>
+          <a:stretch/>
+        </p:blipFill>
+        <p:spPr>
+          <a:xfrm>
+            <a:off x="8633690" y="766376"/>
+            <a:ext cx="2960254" cy="988065"/>
+          </a:xfrm>
+          <a:prstGeom prst="rect">
+            <a:avLst/>
+          </a:prstGeom>
+        </p:spPr>
+      </p:pic>
+      <p:pic>
+        <p:nvPicPr>
+          <p:cNvPr id="10" name="Picture 9" descr="Chart, bar chart&#10;&#10;Description automatically generated">
+            <a:extLst>
+              <a:ext uri="{FF2B5EF4-FFF2-40B4-BE49-F238E27FC236}">
+                <a16:creationId xmlns:a16="http://schemas.microsoft.com/office/drawing/2014/main" id="{0AECCD26-F772-41E8-B41E-8665FC45F751}"/>
+              </a:ext>
+            </a:extLst>
+          </p:cNvPr>
+          <p:cNvPicPr>
+            <a:picLocks noChangeAspect="1"/>
+          </p:cNvPicPr>
+          <p:nvPr/>
         </p:nvPicPr>
         <p:blipFill>
-          <a:blip r:embed="rId2">
+          <a:blip r:embed="rId5">
             <a:extLst>
               <a:ext uri="{28A0092B-C50C-407E-A947-70E740481C1C}">
                 <a14:useLocalDpi xmlns:a14="http://schemas.microsoft.com/office/drawing/2010/main" val="0"/>
@@ -3713,15 +3786,90 @@
         </p:blipFill>
         <p:spPr>
           <a:xfrm>
-            <a:off x="2548715" y="-236569"/>
-            <a:ext cx="7094569" cy="7094569"/>
+            <a:off x="0" y="2073563"/>
+            <a:ext cx="4017818" cy="4017818"/>
           </a:xfrm>
+          <a:prstGeom prst="rect">
+            <a:avLst/>
+          </a:prstGeom>
+        </p:spPr>
+      </p:pic>
+      <p:pic>
+        <p:nvPicPr>
+          <p:cNvPr id="12" name="Picture 11" descr="Chart, bar chart&#10;&#10;Description automatically generated">
+            <a:extLst>
+              <a:ext uri="{FF2B5EF4-FFF2-40B4-BE49-F238E27FC236}">
+                <a16:creationId xmlns:a16="http://schemas.microsoft.com/office/drawing/2014/main" id="{4D784A3A-0C25-4572-98B4-9981DBCEB8C2}"/>
+              </a:ext>
+            </a:extLst>
+          </p:cNvPr>
+          <p:cNvPicPr>
+            <a:picLocks noChangeAspect="1"/>
+          </p:cNvPicPr>
+          <p:nvPr/>
+        </p:nvPicPr>
+        <p:blipFill>
+          <a:blip r:embed="rId6">
+            <a:extLst>
+              <a:ext uri="{28A0092B-C50C-407E-A947-70E740481C1C}">
+                <a14:useLocalDpi xmlns:a14="http://schemas.microsoft.com/office/drawing/2010/main" val="0"/>
+              </a:ext>
+            </a:extLst>
+          </a:blip>
+          <a:stretch>
+            <a:fillRect/>
+          </a:stretch>
+        </p:blipFill>
+        <p:spPr>
+          <a:xfrm>
+            <a:off x="4052454" y="2073563"/>
+            <a:ext cx="4017818" cy="4017818"/>
+          </a:xfrm>
+          <a:prstGeom prst="rect">
+            <a:avLst/>
+          </a:prstGeom>
+        </p:spPr>
+      </p:pic>
+      <p:pic>
+        <p:nvPicPr>
+          <p:cNvPr id="14" name="Picture 13" descr="Chart, bar chart&#10;&#10;Description automatically generated">
+            <a:extLst>
+              <a:ext uri="{FF2B5EF4-FFF2-40B4-BE49-F238E27FC236}">
+                <a16:creationId xmlns:a16="http://schemas.microsoft.com/office/drawing/2014/main" id="{6BCAB5BD-25C3-4FE6-A647-E4053B541C8B}"/>
+              </a:ext>
+            </a:extLst>
+          </p:cNvPr>
+          <p:cNvPicPr>
+            <a:picLocks noChangeAspect="1"/>
+          </p:cNvPicPr>
+          <p:nvPr/>
+        </p:nvPicPr>
+        <p:blipFill>
+          <a:blip r:embed="rId7">
+            <a:extLst>
+              <a:ext uri="{28A0092B-C50C-407E-A947-70E740481C1C}">
+                <a14:useLocalDpi xmlns:a14="http://schemas.microsoft.com/office/drawing/2010/main" val="0"/>
+              </a:ext>
+            </a:extLst>
+          </a:blip>
+          <a:stretch>
+            <a:fillRect/>
+          </a:stretch>
+        </p:blipFill>
+        <p:spPr>
+          <a:xfrm>
+            <a:off x="8104908" y="2073563"/>
+            <a:ext cx="4017818" cy="4017818"/>
+          </a:xfrm>
+          <a:prstGeom prst="rect">
+            <a:avLst/>
+          </a:prstGeom>
         </p:spPr>
       </p:pic>
     </p:spTree>
     <p:extLst>
       <p:ext uri="{BB962C8B-B14F-4D97-AF65-F5344CB8AC3E}">
-        <p14:creationId xmlns:p14="http://schemas.microsoft.com/office/powerpoint/2010/main" val="1991882541"/>
+        <p14:creationId xmlns:p14="http://schemas.microsoft.com/office/powerpoint/2010/main" val="1829635514"/>
       </p:ext>
     </p:extLst>
   </p:cSld>
@@ -3748,46 +3896,257 @@
           <a:chExt cx="0" cy="0"/>
         </a:xfrm>
       </p:grpSpPr>
-      <p:sp>
-        <p:nvSpPr>
-          <p:cNvPr id="2" name="Title 1">
-            <a:extLst>
-              <a:ext uri="{FF2B5EF4-FFF2-40B4-BE49-F238E27FC236}">
-                <a16:creationId xmlns:a16="http://schemas.microsoft.com/office/drawing/2014/main" id="{B240425A-20A8-4103-A064-C46FD1363AFE}"/>
-              </a:ext>
-            </a:extLst>
-          </p:cNvPr>
-          <p:cNvSpPr>
-            <a:spLocks noGrp="1"/>
-          </p:cNvSpPr>
-          <p:nvPr>
-            <p:ph type="title"/>
-          </p:nvPr>
-        </p:nvSpPr>
-        <p:spPr/>
-        <p:txBody>
-          <a:bodyPr/>
-          <a:lstStyle/>
-          <a:p>
-            <a:endParaRPr lang="en-GB"/>
-          </a:p>
-        </p:txBody>
-      </p:sp>
       <p:pic>
         <p:nvPicPr>
-          <p:cNvPr id="5" name="Content Placeholder 4" descr="A close-up of a sign&#10;&#10;Description automatically generated with low confidence">
-            <a:extLst>
-              <a:ext uri="{FF2B5EF4-FFF2-40B4-BE49-F238E27FC236}">
-                <a16:creationId xmlns:a16="http://schemas.microsoft.com/office/drawing/2014/main" id="{3B2CB06C-BB7D-4A28-BDE9-971473B2D731}"/>
+          <p:cNvPr id="4" name="Picture 2" descr="Flarin 200mg Soft Capsules – 30 Caps | Ibuprofen 200mg | Chemist 4 U">
+            <a:extLst>
+              <a:ext uri="{FF2B5EF4-FFF2-40B4-BE49-F238E27FC236}">
+                <a16:creationId xmlns:a16="http://schemas.microsoft.com/office/drawing/2014/main" id="{B0706AA3-56D4-4A92-920B-143E0C4B6D0D}"/>
               </a:ext>
             </a:extLst>
           </p:cNvPr>
           <p:cNvPicPr>
-            <a:picLocks noGrp="1" noChangeAspect="1"/>
+            <a:picLocks noChangeAspect="1" noChangeArrowheads="1"/>
           </p:cNvPicPr>
-          <p:nvPr>
-            <p:ph idx="1"/>
-          </p:nvPr>
+          <p:nvPr/>
+        </p:nvPicPr>
+        <p:blipFill rotWithShape="1">
+          <a:blip r:embed="rId2">
+            <a:extLst>
+              <a:ext uri="{28A0092B-C50C-407E-A947-70E740481C1C}">
+                <a14:useLocalDpi xmlns:a14="http://schemas.microsoft.com/office/drawing/2010/main" val="0"/>
+              </a:ext>
+            </a:extLst>
+          </a:blip>
+          <a:srcRect l="9663" t="23310" r="10310" b="43676"/>
+          <a:stretch/>
+        </p:blipFill>
+        <p:spPr bwMode="auto">
+          <a:xfrm>
+            <a:off x="609600" y="971784"/>
+            <a:ext cx="2798618" cy="577245"/>
+          </a:xfrm>
+          <a:prstGeom prst="rect">
+            <a:avLst/>
+          </a:prstGeom>
+          <a:noFill/>
+          <a:extLst>
+            <a:ext uri="{909E8E84-426E-40DD-AFC4-6F175D3DCCD1}">
+              <a14:hiddenFill xmlns:a14="http://schemas.microsoft.com/office/drawing/2010/main">
+                <a:solidFill>
+                  <a:srgbClr val="FFFFFF"/>
+                </a:solidFill>
+              </a14:hiddenFill>
+            </a:ext>
+          </a:extLst>
+        </p:spPr>
+      </p:pic>
+      <p:pic>
+        <p:nvPicPr>
+          <p:cNvPr id="5" name="Picture 4">
+            <a:extLst>
+              <a:ext uri="{FF2B5EF4-FFF2-40B4-BE49-F238E27FC236}">
+                <a16:creationId xmlns:a16="http://schemas.microsoft.com/office/drawing/2014/main" id="{DD30AFCA-CE07-46AE-9B9D-A1A16D4D978D}"/>
+              </a:ext>
+            </a:extLst>
+          </p:cNvPr>
+          <p:cNvPicPr>
+            <a:picLocks noChangeAspect="1"/>
+          </p:cNvPicPr>
+          <p:nvPr/>
+        </p:nvPicPr>
+        <p:blipFill rotWithShape="1">
+          <a:blip r:embed="rId3"/>
+          <a:srcRect t="14521" b="12566"/>
+          <a:stretch/>
+        </p:blipFill>
+        <p:spPr>
+          <a:xfrm>
+            <a:off x="4696690" y="686499"/>
+            <a:ext cx="2798619" cy="1147816"/>
+          </a:xfrm>
+          <a:prstGeom prst="rect">
+            <a:avLst/>
+          </a:prstGeom>
+        </p:spPr>
+      </p:pic>
+      <p:pic>
+        <p:nvPicPr>
+          <p:cNvPr id="6" name="Picture 5">
+            <a:extLst>
+              <a:ext uri="{FF2B5EF4-FFF2-40B4-BE49-F238E27FC236}">
+                <a16:creationId xmlns:a16="http://schemas.microsoft.com/office/drawing/2014/main" id="{2CDFD29B-69F3-48A1-8DF5-CB3E7583533F}"/>
+              </a:ext>
+            </a:extLst>
+          </p:cNvPr>
+          <p:cNvPicPr>
+            <a:picLocks noChangeAspect="1"/>
+          </p:cNvPicPr>
+          <p:nvPr/>
+        </p:nvPicPr>
+        <p:blipFill rotWithShape="1">
+          <a:blip r:embed="rId4"/>
+          <a:srcRect t="20759" b="19841"/>
+          <a:stretch/>
+        </p:blipFill>
+        <p:spPr>
+          <a:xfrm>
+            <a:off x="8633690" y="766376"/>
+            <a:ext cx="2960254" cy="988065"/>
+          </a:xfrm>
+          <a:prstGeom prst="rect">
+            <a:avLst/>
+          </a:prstGeom>
+        </p:spPr>
+      </p:pic>
+      <p:pic>
+        <p:nvPicPr>
+          <p:cNvPr id="7" name="Picture 6">
+            <a:extLst>
+              <a:ext uri="{FF2B5EF4-FFF2-40B4-BE49-F238E27FC236}">
+                <a16:creationId xmlns:a16="http://schemas.microsoft.com/office/drawing/2014/main" id="{F82254F2-5102-4A6C-B61F-BA47F827D401}"/>
+              </a:ext>
+            </a:extLst>
+          </p:cNvPr>
+          <p:cNvPicPr>
+            <a:picLocks noChangeAspect="1"/>
+          </p:cNvPicPr>
+          <p:nvPr/>
+        </p:nvPicPr>
+        <p:blipFill>
+          <a:blip r:embed="rId5">
+            <a:extLst>
+              <a:ext uri="{28A0092B-C50C-407E-A947-70E740481C1C}">
+                <a14:useLocalDpi xmlns:a14="http://schemas.microsoft.com/office/drawing/2010/main" val="0"/>
+              </a:ext>
+            </a:extLst>
+          </a:blip>
+          <a:srcRect/>
+          <a:stretch/>
+        </p:blipFill>
+        <p:spPr>
+          <a:xfrm>
+            <a:off x="0" y="2073563"/>
+            <a:ext cx="4017818" cy="4017818"/>
+          </a:xfrm>
+          <a:prstGeom prst="rect">
+            <a:avLst/>
+          </a:prstGeom>
+        </p:spPr>
+      </p:pic>
+      <p:pic>
+        <p:nvPicPr>
+          <p:cNvPr id="8" name="Picture 7">
+            <a:extLst>
+              <a:ext uri="{FF2B5EF4-FFF2-40B4-BE49-F238E27FC236}">
+                <a16:creationId xmlns:a16="http://schemas.microsoft.com/office/drawing/2014/main" id="{4E54453E-DE9A-4123-8081-9F2AE2CE67A1}"/>
+              </a:ext>
+            </a:extLst>
+          </p:cNvPr>
+          <p:cNvPicPr>
+            <a:picLocks noChangeAspect="1"/>
+          </p:cNvPicPr>
+          <p:nvPr/>
+        </p:nvPicPr>
+        <p:blipFill>
+          <a:blip r:embed="rId6">
+            <a:extLst>
+              <a:ext uri="{28A0092B-C50C-407E-A947-70E740481C1C}">
+                <a14:useLocalDpi xmlns:a14="http://schemas.microsoft.com/office/drawing/2010/main" val="0"/>
+              </a:ext>
+            </a:extLst>
+          </a:blip>
+          <a:srcRect/>
+          <a:stretch/>
+        </p:blipFill>
+        <p:spPr>
+          <a:xfrm>
+            <a:off x="4052454" y="2073563"/>
+            <a:ext cx="4017818" cy="4017818"/>
+          </a:xfrm>
+          <a:prstGeom prst="rect">
+            <a:avLst/>
+          </a:prstGeom>
+        </p:spPr>
+      </p:pic>
+      <p:pic>
+        <p:nvPicPr>
+          <p:cNvPr id="9" name="Picture 8">
+            <a:extLst>
+              <a:ext uri="{FF2B5EF4-FFF2-40B4-BE49-F238E27FC236}">
+                <a16:creationId xmlns:a16="http://schemas.microsoft.com/office/drawing/2014/main" id="{0E8156BC-7E8E-4305-9A65-AE8B54FEE152}"/>
+              </a:ext>
+            </a:extLst>
+          </p:cNvPr>
+          <p:cNvPicPr>
+            <a:picLocks noChangeAspect="1"/>
+          </p:cNvPicPr>
+          <p:nvPr/>
+        </p:nvPicPr>
+        <p:blipFill>
+          <a:blip r:embed="rId7">
+            <a:extLst>
+              <a:ext uri="{28A0092B-C50C-407E-A947-70E740481C1C}">
+                <a14:useLocalDpi xmlns:a14="http://schemas.microsoft.com/office/drawing/2010/main" val="0"/>
+              </a:ext>
+            </a:extLst>
+          </a:blip>
+          <a:srcRect/>
+          <a:stretch/>
+        </p:blipFill>
+        <p:spPr>
+          <a:xfrm>
+            <a:off x="8104908" y="2073563"/>
+            <a:ext cx="4017818" cy="4017818"/>
+          </a:xfrm>
+          <a:prstGeom prst="rect">
+            <a:avLst/>
+          </a:prstGeom>
+        </p:spPr>
+      </p:pic>
+    </p:spTree>
+    <p:extLst>
+      <p:ext uri="{BB962C8B-B14F-4D97-AF65-F5344CB8AC3E}">
+        <p14:creationId xmlns:p14="http://schemas.microsoft.com/office/powerpoint/2010/main" val="5940998"/>
+      </p:ext>
+    </p:extLst>
+  </p:cSld>
+  <p:clrMapOvr>
+    <a:masterClrMapping/>
+  </p:clrMapOvr>
+</p:sld>
+</file>
+
+<file path=ppt/slides/slide6.xml><?xml version="1.0" encoding="utf-8"?>
+<p:sld xmlns:a="http://schemas.openxmlformats.org/drawingml/2006/main" xmlns:r="http://schemas.openxmlformats.org/officeDocument/2006/relationships" xmlns:p="http://schemas.openxmlformats.org/presentationml/2006/main">
+  <p:cSld>
+    <p:spTree>
+      <p:nvGrpSpPr>
+        <p:cNvPr id="1" name=""/>
+        <p:cNvGrpSpPr/>
+        <p:nvPr/>
+      </p:nvGrpSpPr>
+      <p:grpSpPr>
+        <a:xfrm>
+          <a:off x="0" y="0"/>
+          <a:ext cx="0" cy="0"/>
+          <a:chOff x="0" y="0"/>
+          <a:chExt cx="0" cy="0"/>
+        </a:xfrm>
+      </p:grpSpPr>
+      <p:pic>
+        <p:nvPicPr>
+          <p:cNvPr id="5" name="Picture 4" descr="Text&#10;&#10;Description automatically generated">
+            <a:extLst>
+              <a:ext uri="{FF2B5EF4-FFF2-40B4-BE49-F238E27FC236}">
+                <a16:creationId xmlns:a16="http://schemas.microsoft.com/office/drawing/2014/main" id="{887D96B5-3BDA-4F12-A238-DD338D44F8D0}"/>
+              </a:ext>
+            </a:extLst>
+          </p:cNvPr>
+          <p:cNvPicPr>
+            <a:picLocks noChangeAspect="1"/>
+          </p:cNvPicPr>
+          <p:nvPr/>
         </p:nvPicPr>
         <p:blipFill>
           <a:blip r:embed="rId2">
@@ -3803,15 +4162,253 @@
         </p:blipFill>
         <p:spPr>
           <a:xfrm>
-            <a:off x="87086" y="424543"/>
-            <a:ext cx="12017827" cy="6008914"/>
+            <a:off x="0" y="762000"/>
+            <a:ext cx="12192000" cy="6096000"/>
           </a:xfrm>
+          <a:prstGeom prst="rect">
+            <a:avLst/>
+          </a:prstGeom>
+        </p:spPr>
+      </p:pic>
+      <p:pic>
+        <p:nvPicPr>
+          <p:cNvPr id="6" name="Picture 2" descr="Flarin 200mg Soft Capsules – 30 Caps | Ibuprofen 200mg | Chemist 4 U">
+            <a:extLst>
+              <a:ext uri="{FF2B5EF4-FFF2-40B4-BE49-F238E27FC236}">
+                <a16:creationId xmlns:a16="http://schemas.microsoft.com/office/drawing/2014/main" id="{7A47176F-7473-41A3-80B9-1A6F0248C64F}"/>
+              </a:ext>
+            </a:extLst>
+          </p:cNvPr>
+          <p:cNvPicPr>
+            <a:picLocks noChangeAspect="1" noChangeArrowheads="1"/>
+          </p:cNvPicPr>
+          <p:nvPr/>
+        </p:nvPicPr>
+        <p:blipFill rotWithShape="1">
+          <a:blip r:embed="rId3">
+            <a:extLst>
+              <a:ext uri="{28A0092B-C50C-407E-A947-70E740481C1C}">
+                <a14:useLocalDpi xmlns:a14="http://schemas.microsoft.com/office/drawing/2010/main" val="0"/>
+              </a:ext>
+            </a:extLst>
+          </a:blip>
+          <a:srcRect l="9663" t="23310" r="10310" b="43676"/>
+          <a:stretch/>
+        </p:blipFill>
+        <p:spPr bwMode="auto">
+          <a:xfrm>
+            <a:off x="4846320" y="374562"/>
+            <a:ext cx="2798618" cy="577245"/>
+          </a:xfrm>
+          <a:prstGeom prst="rect">
+            <a:avLst/>
+          </a:prstGeom>
+          <a:noFill/>
+          <a:extLst>
+            <a:ext uri="{909E8E84-426E-40DD-AFC4-6F175D3DCCD1}">
+              <a14:hiddenFill xmlns:a14="http://schemas.microsoft.com/office/drawing/2010/main">
+                <a:solidFill>
+                  <a:srgbClr val="FFFFFF"/>
+                </a:solidFill>
+              </a14:hiddenFill>
+            </a:ext>
+          </a:extLst>
         </p:spPr>
       </p:pic>
     </p:spTree>
     <p:extLst>
       <p:ext uri="{BB962C8B-B14F-4D97-AF65-F5344CB8AC3E}">
-        <p14:creationId xmlns:p14="http://schemas.microsoft.com/office/powerpoint/2010/main" val="2267299809"/>
+        <p14:creationId xmlns:p14="http://schemas.microsoft.com/office/powerpoint/2010/main" val="2410616057"/>
+      </p:ext>
+    </p:extLst>
+  </p:cSld>
+  <p:clrMapOvr>
+    <a:masterClrMapping/>
+  </p:clrMapOvr>
+</p:sld>
+</file>
+
+<file path=ppt/slides/slide7.xml><?xml version="1.0" encoding="utf-8"?>
+<p:sld xmlns:a="http://schemas.openxmlformats.org/drawingml/2006/main" xmlns:r="http://schemas.openxmlformats.org/officeDocument/2006/relationships" xmlns:p="http://schemas.openxmlformats.org/presentationml/2006/main">
+  <p:cSld>
+    <p:spTree>
+      <p:nvGrpSpPr>
+        <p:cNvPr id="1" name=""/>
+        <p:cNvGrpSpPr/>
+        <p:nvPr/>
+      </p:nvGrpSpPr>
+      <p:grpSpPr>
+        <a:xfrm>
+          <a:off x="0" y="0"/>
+          <a:ext cx="0" cy="0"/>
+          <a:chOff x="0" y="0"/>
+          <a:chExt cx="0" cy="0"/>
+        </a:xfrm>
+      </p:grpSpPr>
+      <p:pic>
+        <p:nvPicPr>
+          <p:cNvPr id="9" name="Picture 8" descr="A close-up of a sign&#10;&#10;Description automatically generated with medium confidence">
+            <a:extLst>
+              <a:ext uri="{FF2B5EF4-FFF2-40B4-BE49-F238E27FC236}">
+                <a16:creationId xmlns:a16="http://schemas.microsoft.com/office/drawing/2014/main" id="{7D5D81FE-73C4-40E4-B443-58F63E986C9F}"/>
+              </a:ext>
+            </a:extLst>
+          </p:cNvPr>
+          <p:cNvPicPr>
+            <a:picLocks noChangeAspect="1"/>
+          </p:cNvPicPr>
+          <p:nvPr/>
+        </p:nvPicPr>
+        <p:blipFill>
+          <a:blip r:embed="rId2">
+            <a:extLst>
+              <a:ext uri="{28A0092B-C50C-407E-A947-70E740481C1C}">
+                <a14:useLocalDpi xmlns:a14="http://schemas.microsoft.com/office/drawing/2010/main" val="0"/>
+              </a:ext>
+            </a:extLst>
+          </a:blip>
+          <a:stretch>
+            <a:fillRect/>
+          </a:stretch>
+        </p:blipFill>
+        <p:spPr>
+          <a:xfrm>
+            <a:off x="0" y="762000"/>
+            <a:ext cx="12192000" cy="6096000"/>
+          </a:xfrm>
+          <a:prstGeom prst="rect">
+            <a:avLst/>
+          </a:prstGeom>
+        </p:spPr>
+      </p:pic>
+      <p:pic>
+        <p:nvPicPr>
+          <p:cNvPr id="10" name="Picture 9">
+            <a:extLst>
+              <a:ext uri="{FF2B5EF4-FFF2-40B4-BE49-F238E27FC236}">
+                <a16:creationId xmlns:a16="http://schemas.microsoft.com/office/drawing/2014/main" id="{DF357EBE-7437-4694-837C-9E99FE52F06B}"/>
+              </a:ext>
+            </a:extLst>
+          </p:cNvPr>
+          <p:cNvPicPr>
+            <a:picLocks noChangeAspect="1"/>
+          </p:cNvPicPr>
+          <p:nvPr/>
+        </p:nvPicPr>
+        <p:blipFill rotWithShape="1">
+          <a:blip r:embed="rId3"/>
+          <a:srcRect t="14521" b="12566"/>
+          <a:stretch/>
+        </p:blipFill>
+        <p:spPr>
+          <a:xfrm>
+            <a:off x="5137265" y="179185"/>
+            <a:ext cx="2369127" cy="971666"/>
+          </a:xfrm>
+          <a:prstGeom prst="rect">
+            <a:avLst/>
+          </a:prstGeom>
+        </p:spPr>
+      </p:pic>
+    </p:spTree>
+    <p:extLst>
+      <p:ext uri="{BB962C8B-B14F-4D97-AF65-F5344CB8AC3E}">
+        <p14:creationId xmlns:p14="http://schemas.microsoft.com/office/powerpoint/2010/main" val="1622710991"/>
+      </p:ext>
+    </p:extLst>
+  </p:cSld>
+  <p:clrMapOvr>
+    <a:masterClrMapping/>
+  </p:clrMapOvr>
+</p:sld>
+</file>
+
+<file path=ppt/slides/slide8.xml><?xml version="1.0" encoding="utf-8"?>
+<p:sld xmlns:a="http://schemas.openxmlformats.org/drawingml/2006/main" xmlns:r="http://schemas.openxmlformats.org/officeDocument/2006/relationships" xmlns:p="http://schemas.openxmlformats.org/presentationml/2006/main">
+  <p:cSld>
+    <p:spTree>
+      <p:nvGrpSpPr>
+        <p:cNvPr id="1" name=""/>
+        <p:cNvGrpSpPr/>
+        <p:nvPr/>
+      </p:nvGrpSpPr>
+      <p:grpSpPr>
+        <a:xfrm>
+          <a:off x="0" y="0"/>
+          <a:ext cx="0" cy="0"/>
+          <a:chOff x="0" y="0"/>
+          <a:chExt cx="0" cy="0"/>
+        </a:xfrm>
+      </p:grpSpPr>
+      <p:pic>
+        <p:nvPicPr>
+          <p:cNvPr id="9" name="Picture 8" descr="A close-up of a sign&#10;&#10;Description automatically generated with low confidence">
+            <a:extLst>
+              <a:ext uri="{FF2B5EF4-FFF2-40B4-BE49-F238E27FC236}">
+                <a16:creationId xmlns:a16="http://schemas.microsoft.com/office/drawing/2014/main" id="{A984A93C-073A-4C51-BBF6-E8DD2E6DBE0B}"/>
+              </a:ext>
+            </a:extLst>
+          </p:cNvPr>
+          <p:cNvPicPr>
+            <a:picLocks noChangeAspect="1"/>
+          </p:cNvPicPr>
+          <p:nvPr/>
+        </p:nvPicPr>
+        <p:blipFill>
+          <a:blip r:embed="rId2">
+            <a:extLst>
+              <a:ext uri="{28A0092B-C50C-407E-A947-70E740481C1C}">
+                <a14:useLocalDpi xmlns:a14="http://schemas.microsoft.com/office/drawing/2010/main" val="0"/>
+              </a:ext>
+            </a:extLst>
+          </a:blip>
+          <a:stretch>
+            <a:fillRect/>
+          </a:stretch>
+        </p:blipFill>
+        <p:spPr>
+          <a:xfrm>
+            <a:off x="0" y="762000"/>
+            <a:ext cx="12192000" cy="6096000"/>
+          </a:xfrm>
+          <a:prstGeom prst="rect">
+            <a:avLst/>
+          </a:prstGeom>
+        </p:spPr>
+      </p:pic>
+      <p:pic>
+        <p:nvPicPr>
+          <p:cNvPr id="10" name="Picture 9">
+            <a:extLst>
+              <a:ext uri="{FF2B5EF4-FFF2-40B4-BE49-F238E27FC236}">
+                <a16:creationId xmlns:a16="http://schemas.microsoft.com/office/drawing/2014/main" id="{D0BB205B-0CCE-4417-83FF-CB757CACF86E}"/>
+              </a:ext>
+            </a:extLst>
+          </p:cNvPr>
+          <p:cNvPicPr>
+            <a:picLocks noChangeAspect="1"/>
+          </p:cNvPicPr>
+          <p:nvPr/>
+        </p:nvPicPr>
+        <p:blipFill rotWithShape="1">
+          <a:blip r:embed="rId3"/>
+          <a:srcRect t="20759" b="19841"/>
+          <a:stretch/>
+        </p:blipFill>
+        <p:spPr>
+          <a:xfrm>
+            <a:off x="4757387" y="82910"/>
+            <a:ext cx="2960254" cy="988065"/>
+          </a:xfrm>
+          <a:prstGeom prst="rect">
+            <a:avLst/>
+          </a:prstGeom>
+        </p:spPr>
+      </p:pic>
+    </p:spTree>
+    <p:extLst>
+      <p:ext uri="{BB962C8B-B14F-4D97-AF65-F5344CB8AC3E}">
+        <p14:creationId xmlns:p14="http://schemas.microsoft.com/office/powerpoint/2010/main" val="667544349"/>
       </p:ext>
     </p:extLst>
   </p:cSld>
